--- a/flzw/docs/flzw.pptx
+++ b/flzw/docs/flzw.pptx
@@ -5,10 +5,10 @@
     <p:sldMasterId id="2147483648" r:id="rId1"/>
   </p:sldMasterIdLst>
   <p:notesMasterIdLst>
-    <p:notesMasterId r:id="rId27"/>
+    <p:notesMasterId r:id="rId29"/>
   </p:notesMasterIdLst>
   <p:handoutMasterIdLst>
-    <p:handoutMasterId r:id="rId28"/>
+    <p:handoutMasterId r:id="rId30"/>
   </p:handoutMasterIdLst>
   <p:sldIdLst>
     <p:sldId id="256" r:id="rId2"/>
@@ -36,6 +36,8 @@
     <p:sldId id="279" r:id="rId24"/>
     <p:sldId id="280" r:id="rId25"/>
     <p:sldId id="281" r:id="rId26"/>
+    <p:sldId id="282" r:id="rId27"/>
+    <p:sldId id="283" r:id="rId28"/>
   </p:sldIdLst>
   <p:sldSz cx="12192000" cy="6858000"/>
   <p:notesSz cx="6858000" cy="9144000"/>
@@ -148,628 +150,9 @@
 <file path=ppt/revisionInfo.xml><?xml version="1.0" encoding="utf-8"?>
 <p1510:revInfo xmlns:a="http://schemas.openxmlformats.org/drawingml/2006/main" xmlns:r="http://schemas.openxmlformats.org/officeDocument/2006/relationships" xmlns:p1510="http://schemas.microsoft.com/office/powerpoint/2015/10/main">
   <p1510:revLst>
-    <p1510:client id="{107ACDB5-605D-C9CA-5FCA-229E58CFB7EA}" v="1695" dt="2025-01-10T10:53:44.697"/>
+    <p1510:client id="{F61BBF53-7D6E-4F07-F752-4296EBF201A7}" v="25" dt="2025-01-22T09:57:57.080"/>
   </p1510:revLst>
 </p1510:revInfo>
-</file>
-
-<file path=ppt/changesInfos/changesInfo1.xml><?xml version="1.0" encoding="utf-8"?>
-<pc:chgInfo xmlns:a="http://schemas.openxmlformats.org/drawingml/2006/main" xmlns:r="http://schemas.openxmlformats.org/officeDocument/2006/relationships" xmlns:ac="http://schemas.microsoft.com/office/drawing/2013/main/command" xmlns:pc="http://schemas.microsoft.com/office/powerpoint/2013/main/command">
-  <pc:docChgLst>
-    <pc:chgData name="FABIAN MUSAT" userId="S::fabian.musat@s.unibuc.ro::8f799065-d8ce-4084-a2fa-0d95af088ebc" providerId="AD" clId="Web-{107ACDB5-605D-C9CA-5FCA-229E58CFB7EA}"/>
-    <pc:docChg chg="addSld delSld modSld sldOrd">
-      <pc:chgData name="FABIAN MUSAT" userId="S::fabian.musat@s.unibuc.ro::8f799065-d8ce-4084-a2fa-0d95af088ebc" providerId="AD" clId="Web-{107ACDB5-605D-C9CA-5FCA-229E58CFB7EA}" dt="2025-01-10T10:53:41.135" v="1681" actId="20577"/>
-      <pc:docMkLst>
-        <pc:docMk/>
-      </pc:docMkLst>
-      <pc:sldChg chg="modSp">
-        <pc:chgData name="FABIAN MUSAT" userId="S::fabian.musat@s.unibuc.ro::8f799065-d8ce-4084-a2fa-0d95af088ebc" providerId="AD" clId="Web-{107ACDB5-605D-C9CA-5FCA-229E58CFB7EA}" dt="2025-01-10T09:25:46.020" v="83" actId="20577"/>
-        <pc:sldMkLst>
-          <pc:docMk/>
-          <pc:sldMk cId="2622186954" sldId="256"/>
-        </pc:sldMkLst>
-        <pc:spChg chg="mod">
-          <ac:chgData name="FABIAN MUSAT" userId="S::fabian.musat@s.unibuc.ro::8f799065-d8ce-4084-a2fa-0d95af088ebc" providerId="AD" clId="Web-{107ACDB5-605D-C9CA-5FCA-229E58CFB7EA}" dt="2025-01-10T09:22:33.607" v="18" actId="20577"/>
-          <ac:spMkLst>
-            <pc:docMk/>
-            <pc:sldMk cId="2622186954" sldId="256"/>
-            <ac:spMk id="2" creationId="{00000000-0000-0000-0000-000000000000}"/>
-          </ac:spMkLst>
-        </pc:spChg>
-        <pc:spChg chg="mod">
-          <ac:chgData name="FABIAN MUSAT" userId="S::fabian.musat@s.unibuc.ro::8f799065-d8ce-4084-a2fa-0d95af088ebc" providerId="AD" clId="Web-{107ACDB5-605D-C9CA-5FCA-229E58CFB7EA}" dt="2025-01-10T09:25:46.020" v="83" actId="20577"/>
-          <ac:spMkLst>
-            <pc:docMk/>
-            <pc:sldMk cId="2622186954" sldId="256"/>
-            <ac:spMk id="3" creationId="{00000000-0000-0000-0000-000000000000}"/>
-          </ac:spMkLst>
-        </pc:spChg>
-      </pc:sldChg>
-      <pc:sldChg chg="new del">
-        <pc:chgData name="FABIAN MUSAT" userId="S::fabian.musat@s.unibuc.ro::8f799065-d8ce-4084-a2fa-0d95af088ebc" providerId="AD" clId="Web-{107ACDB5-605D-C9CA-5FCA-229E58CFB7EA}" dt="2025-01-10T09:23:26.921" v="33"/>
-        <pc:sldMkLst>
-          <pc:docMk/>
-          <pc:sldMk cId="3547674026" sldId="257"/>
-        </pc:sldMkLst>
-      </pc:sldChg>
-      <pc:sldChg chg="modSp new">
-        <pc:chgData name="FABIAN MUSAT" userId="S::fabian.musat@s.unibuc.ro::8f799065-d8ce-4084-a2fa-0d95af088ebc" providerId="AD" clId="Web-{107ACDB5-605D-C9CA-5FCA-229E58CFB7EA}" dt="2025-01-10T09:28:46.136" v="190" actId="20577"/>
-        <pc:sldMkLst>
-          <pc:docMk/>
-          <pc:sldMk cId="4092082118" sldId="258"/>
-        </pc:sldMkLst>
-        <pc:spChg chg="mod">
-          <ac:chgData name="FABIAN MUSAT" userId="S::fabian.musat@s.unibuc.ro::8f799065-d8ce-4084-a2fa-0d95af088ebc" providerId="AD" clId="Web-{107ACDB5-605D-C9CA-5FCA-229E58CFB7EA}" dt="2025-01-10T09:28:19.026" v="182" actId="20577"/>
-          <ac:spMkLst>
-            <pc:docMk/>
-            <pc:sldMk cId="4092082118" sldId="258"/>
-            <ac:spMk id="2" creationId="{96AF2B5D-3B01-261B-349A-37C6B61D1CD6}"/>
-          </ac:spMkLst>
-        </pc:spChg>
-        <pc:spChg chg="mod">
-          <ac:chgData name="FABIAN MUSAT" userId="S::fabian.musat@s.unibuc.ro::8f799065-d8ce-4084-a2fa-0d95af088ebc" providerId="AD" clId="Web-{107ACDB5-605D-C9CA-5FCA-229E58CFB7EA}" dt="2025-01-10T09:28:40.605" v="185" actId="20577"/>
-          <ac:spMkLst>
-            <pc:docMk/>
-            <pc:sldMk cId="4092082118" sldId="258"/>
-            <ac:spMk id="3" creationId="{987A5B69-054A-B683-1976-18D178F16874}"/>
-          </ac:spMkLst>
-        </pc:spChg>
-        <pc:spChg chg="mod">
-          <ac:chgData name="FABIAN MUSAT" userId="S::fabian.musat@s.unibuc.ro::8f799065-d8ce-4084-a2fa-0d95af088ebc" providerId="AD" clId="Web-{107ACDB5-605D-C9CA-5FCA-229E58CFB7EA}" dt="2025-01-10T09:26:19.084" v="106" actId="20577"/>
-          <ac:spMkLst>
-            <pc:docMk/>
-            <pc:sldMk cId="4092082118" sldId="258"/>
-            <ac:spMk id="4" creationId="{E435525E-F454-1F34-CA5D-A66BA2D4B720}"/>
-          </ac:spMkLst>
-        </pc:spChg>
-        <pc:spChg chg="mod">
-          <ac:chgData name="FABIAN MUSAT" userId="S::fabian.musat@s.unibuc.ro::8f799065-d8ce-4084-a2fa-0d95af088ebc" providerId="AD" clId="Web-{107ACDB5-605D-C9CA-5FCA-229E58CFB7EA}" dt="2025-01-10T09:28:46.136" v="190" actId="20577"/>
-          <ac:spMkLst>
-            <pc:docMk/>
-            <pc:sldMk cId="4092082118" sldId="258"/>
-            <ac:spMk id="5" creationId="{3846EA0D-460C-A0D3-ACAA-E37B6928E8EA}"/>
-          </ac:spMkLst>
-        </pc:spChg>
-        <pc:spChg chg="mod">
-          <ac:chgData name="FABIAN MUSAT" userId="S::fabian.musat@s.unibuc.ro::8f799065-d8ce-4084-a2fa-0d95af088ebc" providerId="AD" clId="Web-{107ACDB5-605D-C9CA-5FCA-229E58CFB7EA}" dt="2025-01-10T09:27:53.431" v="170" actId="20577"/>
-          <ac:spMkLst>
-            <pc:docMk/>
-            <pc:sldMk cId="4092082118" sldId="258"/>
-            <ac:spMk id="6" creationId="{ADFEE78D-981C-07DB-CDAB-A5663B624007}"/>
-          </ac:spMkLst>
-        </pc:spChg>
-        <pc:spChg chg="mod">
-          <ac:chgData name="FABIAN MUSAT" userId="S::fabian.musat@s.unibuc.ro::8f799065-d8ce-4084-a2fa-0d95af088ebc" providerId="AD" clId="Web-{107ACDB5-605D-C9CA-5FCA-229E58CFB7EA}" dt="2025-01-10T09:28:43.808" v="189" actId="20577"/>
-          <ac:spMkLst>
-            <pc:docMk/>
-            <pc:sldMk cId="4092082118" sldId="258"/>
-            <ac:spMk id="7" creationId="{EA137316-2C68-6E53-72E6-5218E5015175}"/>
-          </ac:spMkLst>
-        </pc:spChg>
-        <pc:spChg chg="mod">
-          <ac:chgData name="FABIAN MUSAT" userId="S::fabian.musat@s.unibuc.ro::8f799065-d8ce-4084-a2fa-0d95af088ebc" providerId="AD" clId="Web-{107ACDB5-605D-C9CA-5FCA-229E58CFB7EA}" dt="2025-01-10T09:28:28.604" v="184" actId="20577"/>
-          <ac:spMkLst>
-            <pc:docMk/>
-            <pc:sldMk cId="4092082118" sldId="258"/>
-            <ac:spMk id="8" creationId="{F042F7D4-A712-9B1C-4CE0-AD7A1C1F635D}"/>
-          </ac:spMkLst>
-        </pc:spChg>
-      </pc:sldChg>
-      <pc:sldChg chg="modSp new del">
-        <pc:chgData name="FABIAN MUSAT" userId="S::fabian.musat@s.unibuc.ro::8f799065-d8ce-4084-a2fa-0d95af088ebc" providerId="AD" clId="Web-{107ACDB5-605D-C9CA-5FCA-229E58CFB7EA}" dt="2025-01-10T09:29:17.825" v="194"/>
-        <pc:sldMkLst>
-          <pc:docMk/>
-          <pc:sldMk cId="2072014796" sldId="259"/>
-        </pc:sldMkLst>
-        <pc:spChg chg="mod">
-          <ac:chgData name="FABIAN MUSAT" userId="S::fabian.musat@s.unibuc.ro::8f799065-d8ce-4084-a2fa-0d95af088ebc" providerId="AD" clId="Web-{107ACDB5-605D-C9CA-5FCA-229E58CFB7EA}" dt="2025-01-10T09:29:16.794" v="193" actId="20577"/>
-          <ac:spMkLst>
-            <pc:docMk/>
-            <pc:sldMk cId="2072014796" sldId="259"/>
-            <ac:spMk id="2" creationId="{1A474A3C-D3E8-88AC-1CBD-169CB06F2E50}"/>
-          </ac:spMkLst>
-        </pc:spChg>
-      </pc:sldChg>
-      <pc:sldChg chg="modSp new">
-        <pc:chgData name="FABIAN MUSAT" userId="S::fabian.musat@s.unibuc.ro::8f799065-d8ce-4084-a2fa-0d95af088ebc" providerId="AD" clId="Web-{107ACDB5-605D-C9CA-5FCA-229E58CFB7EA}" dt="2025-01-10T09:30:05.389" v="224" actId="20577"/>
-        <pc:sldMkLst>
-          <pc:docMk/>
-          <pc:sldMk cId="4291609429" sldId="259"/>
-        </pc:sldMkLst>
-        <pc:spChg chg="mod">
-          <ac:chgData name="FABIAN MUSAT" userId="S::fabian.musat@s.unibuc.ro::8f799065-d8ce-4084-a2fa-0d95af088ebc" providerId="AD" clId="Web-{107ACDB5-605D-C9CA-5FCA-229E58CFB7EA}" dt="2025-01-10T09:30:05.389" v="224" actId="20577"/>
-          <ac:spMkLst>
-            <pc:docMk/>
-            <pc:sldMk cId="4291609429" sldId="259"/>
-            <ac:spMk id="2" creationId="{CD01E0A6-2394-5BAD-BFED-A4AAB7C72E50}"/>
-          </ac:spMkLst>
-        </pc:spChg>
-      </pc:sldChg>
-      <pc:sldChg chg="addSp delSp modSp new">
-        <pc:chgData name="FABIAN MUSAT" userId="S::fabian.musat@s.unibuc.ro::8f799065-d8ce-4084-a2fa-0d95af088ebc" providerId="AD" clId="Web-{107ACDB5-605D-C9CA-5FCA-229E58CFB7EA}" dt="2025-01-10T09:37:42.235" v="259" actId="1076"/>
-        <pc:sldMkLst>
-          <pc:docMk/>
-          <pc:sldMk cId="2996285881" sldId="260"/>
-        </pc:sldMkLst>
-        <pc:spChg chg="del">
-          <ac:chgData name="FABIAN MUSAT" userId="S::fabian.musat@s.unibuc.ro::8f799065-d8ce-4084-a2fa-0d95af088ebc" providerId="AD" clId="Web-{107ACDB5-605D-C9CA-5FCA-229E58CFB7EA}" dt="2025-01-10T09:33:44.429" v="238"/>
-          <ac:spMkLst>
-            <pc:docMk/>
-            <pc:sldMk cId="2996285881" sldId="260"/>
-            <ac:spMk id="2" creationId="{265B9304-0E3B-E94E-D5DE-0FE832029938}"/>
-          </ac:spMkLst>
-        </pc:spChg>
-        <pc:spChg chg="mod">
-          <ac:chgData name="FABIAN MUSAT" userId="S::fabian.musat@s.unibuc.ro::8f799065-d8ce-4084-a2fa-0d95af088ebc" providerId="AD" clId="Web-{107ACDB5-605D-C9CA-5FCA-229E58CFB7EA}" dt="2025-01-10T09:34:27.947" v="250" actId="20577"/>
-          <ac:spMkLst>
-            <pc:docMk/>
-            <pc:sldMk cId="2996285881" sldId="260"/>
-            <ac:spMk id="3" creationId="{2386ADBA-E008-4592-01D9-6C2C84E8C4F6}"/>
-          </ac:spMkLst>
-        </pc:spChg>
-        <pc:spChg chg="del">
-          <ac:chgData name="FABIAN MUSAT" userId="S::fabian.musat@s.unibuc.ro::8f799065-d8ce-4084-a2fa-0d95af088ebc" providerId="AD" clId="Web-{107ACDB5-605D-C9CA-5FCA-229E58CFB7EA}" dt="2025-01-10T09:33:45.992" v="239"/>
-          <ac:spMkLst>
-            <pc:docMk/>
-            <pc:sldMk cId="2996285881" sldId="260"/>
-            <ac:spMk id="4" creationId="{6854918C-9CDA-DD38-CC97-CD8D312D7F1D}"/>
-          </ac:spMkLst>
-        </pc:spChg>
-        <pc:picChg chg="add mod">
-          <ac:chgData name="FABIAN MUSAT" userId="S::fabian.musat@s.unibuc.ro::8f799065-d8ce-4084-a2fa-0d95af088ebc" providerId="AD" clId="Web-{107ACDB5-605D-C9CA-5FCA-229E58CFB7EA}" dt="2025-01-10T09:37:26.032" v="257" actId="1076"/>
-          <ac:picMkLst>
-            <pc:docMk/>
-            <pc:sldMk cId="2996285881" sldId="260"/>
-            <ac:picMk id="5" creationId="{1A517045-D4A3-978E-3733-84827CFE0535}"/>
-          </ac:picMkLst>
-        </pc:picChg>
-        <pc:picChg chg="add mod">
-          <ac:chgData name="FABIAN MUSAT" userId="S::fabian.musat@s.unibuc.ro::8f799065-d8ce-4084-a2fa-0d95af088ebc" providerId="AD" clId="Web-{107ACDB5-605D-C9CA-5FCA-229E58CFB7EA}" dt="2025-01-10T09:37:42.235" v="259" actId="1076"/>
-          <ac:picMkLst>
-            <pc:docMk/>
-            <pc:sldMk cId="2996285881" sldId="260"/>
-            <ac:picMk id="6" creationId="{59DBAD8E-9AA4-B219-9B74-420D506570FD}"/>
-          </ac:picMkLst>
-        </pc:picChg>
-      </pc:sldChg>
-      <pc:sldChg chg="modSp new">
-        <pc:chgData name="FABIAN MUSAT" userId="S::fabian.musat@s.unibuc.ro::8f799065-d8ce-4084-a2fa-0d95af088ebc" providerId="AD" clId="Web-{107ACDB5-605D-C9CA-5FCA-229E58CFB7EA}" dt="2025-01-10T09:38:31.003" v="276" actId="20577"/>
-        <pc:sldMkLst>
-          <pc:docMk/>
-          <pc:sldMk cId="1344758129" sldId="261"/>
-        </pc:sldMkLst>
-        <pc:spChg chg="mod">
-          <ac:chgData name="FABIAN MUSAT" userId="S::fabian.musat@s.unibuc.ro::8f799065-d8ce-4084-a2fa-0d95af088ebc" providerId="AD" clId="Web-{107ACDB5-605D-C9CA-5FCA-229E58CFB7EA}" dt="2025-01-10T09:38:31.003" v="276" actId="20577"/>
-          <ac:spMkLst>
-            <pc:docMk/>
-            <pc:sldMk cId="1344758129" sldId="261"/>
-            <ac:spMk id="2" creationId="{4239CDB1-F04D-FC5C-F2B3-05ED6266DBBF}"/>
-          </ac:spMkLst>
-        </pc:spChg>
-      </pc:sldChg>
-      <pc:sldChg chg="modSp new">
-        <pc:chgData name="FABIAN MUSAT" userId="S::fabian.musat@s.unibuc.ro::8f799065-d8ce-4084-a2fa-0d95af088ebc" providerId="AD" clId="Web-{107ACDB5-605D-C9CA-5FCA-229E58CFB7EA}" dt="2025-01-10T09:46:49.928" v="312" actId="20577"/>
-        <pc:sldMkLst>
-          <pc:docMk/>
-          <pc:sldMk cId="2590246502" sldId="262"/>
-        </pc:sldMkLst>
-        <pc:spChg chg="mod">
-          <ac:chgData name="FABIAN MUSAT" userId="S::fabian.musat@s.unibuc.ro::8f799065-d8ce-4084-a2fa-0d95af088ebc" providerId="AD" clId="Web-{107ACDB5-605D-C9CA-5FCA-229E58CFB7EA}" dt="2025-01-10T09:39:27.161" v="281" actId="20577"/>
-          <ac:spMkLst>
-            <pc:docMk/>
-            <pc:sldMk cId="2590246502" sldId="262"/>
-            <ac:spMk id="2" creationId="{B9EE1B36-00B3-1F5F-CF0E-D9F7E19F6902}"/>
-          </ac:spMkLst>
-        </pc:spChg>
-        <pc:spChg chg="mod">
-          <ac:chgData name="FABIAN MUSAT" userId="S::fabian.musat@s.unibuc.ro::8f799065-d8ce-4084-a2fa-0d95af088ebc" providerId="AD" clId="Web-{107ACDB5-605D-C9CA-5FCA-229E58CFB7EA}" dt="2025-01-10T09:39:41.052" v="285" actId="20577"/>
-          <ac:spMkLst>
-            <pc:docMk/>
-            <pc:sldMk cId="2590246502" sldId="262"/>
-            <ac:spMk id="3" creationId="{72F48BB2-AE38-7CA8-4411-3ED53ED4937B}"/>
-          </ac:spMkLst>
-        </pc:spChg>
-        <pc:spChg chg="mod">
-          <ac:chgData name="FABIAN MUSAT" userId="S::fabian.musat@s.unibuc.ro::8f799065-d8ce-4084-a2fa-0d95af088ebc" providerId="AD" clId="Web-{107ACDB5-605D-C9CA-5FCA-229E58CFB7EA}" dt="2025-01-10T09:40:30.054" v="298" actId="20577"/>
-          <ac:spMkLst>
-            <pc:docMk/>
-            <pc:sldMk cId="2590246502" sldId="262"/>
-            <ac:spMk id="4" creationId="{84520FC4-6E9B-DD33-EF77-AA960D7A9E67}"/>
-          </ac:spMkLst>
-        </pc:spChg>
-        <pc:spChg chg="mod">
-          <ac:chgData name="FABIAN MUSAT" userId="S::fabian.musat@s.unibuc.ro::8f799065-d8ce-4084-a2fa-0d95af088ebc" providerId="AD" clId="Web-{107ACDB5-605D-C9CA-5FCA-229E58CFB7EA}" dt="2025-01-10T09:39:49.490" v="289" actId="20577"/>
-          <ac:spMkLst>
-            <pc:docMk/>
-            <pc:sldMk cId="2590246502" sldId="262"/>
-            <ac:spMk id="5" creationId="{8478820F-19A1-43CA-36E7-AE4CF715E252}"/>
-          </ac:spMkLst>
-        </pc:spChg>
-        <pc:spChg chg="mod">
-          <ac:chgData name="FABIAN MUSAT" userId="S::fabian.musat@s.unibuc.ro::8f799065-d8ce-4084-a2fa-0d95af088ebc" providerId="AD" clId="Web-{107ACDB5-605D-C9CA-5FCA-229E58CFB7EA}" dt="2025-01-10T09:46:49.928" v="312" actId="20577"/>
-          <ac:spMkLst>
-            <pc:docMk/>
-            <pc:sldMk cId="2590246502" sldId="262"/>
-            <ac:spMk id="6" creationId="{06784317-FC58-A968-BA56-C4175851169E}"/>
-          </ac:spMkLst>
-        </pc:spChg>
-      </pc:sldChg>
-      <pc:sldChg chg="modSp new">
-        <pc:chgData name="FABIAN MUSAT" userId="S::fabian.musat@s.unibuc.ro::8f799065-d8ce-4084-a2fa-0d95af088ebc" providerId="AD" clId="Web-{107ACDB5-605D-C9CA-5FCA-229E58CFB7EA}" dt="2025-01-10T09:47:45.742" v="324" actId="20577"/>
-        <pc:sldMkLst>
-          <pc:docMk/>
-          <pc:sldMk cId="3069470239" sldId="263"/>
-        </pc:sldMkLst>
-        <pc:spChg chg="mod">
-          <ac:chgData name="FABIAN MUSAT" userId="S::fabian.musat@s.unibuc.ro::8f799065-d8ce-4084-a2fa-0d95af088ebc" providerId="AD" clId="Web-{107ACDB5-605D-C9CA-5FCA-229E58CFB7EA}" dt="2025-01-10T09:47:45.742" v="324" actId="20577"/>
-          <ac:spMkLst>
-            <pc:docMk/>
-            <pc:sldMk cId="3069470239" sldId="263"/>
-            <ac:spMk id="2" creationId="{79EE18F7-1A19-B7D8-C9BC-C68377FB9C6B}"/>
-          </ac:spMkLst>
-        </pc:spChg>
-      </pc:sldChg>
-      <pc:sldChg chg="addSp delSp modSp new mod setBg">
-        <pc:chgData name="FABIAN MUSAT" userId="S::fabian.musat@s.unibuc.ro::8f799065-d8ce-4084-a2fa-0d95af088ebc" providerId="AD" clId="Web-{107ACDB5-605D-C9CA-5FCA-229E58CFB7EA}" dt="2025-01-10T09:52:39.864" v="567" actId="20577"/>
-        <pc:sldMkLst>
-          <pc:docMk/>
-          <pc:sldMk cId="1366487928" sldId="264"/>
-        </pc:sldMkLst>
-        <pc:spChg chg="del">
-          <ac:chgData name="FABIAN MUSAT" userId="S::fabian.musat@s.unibuc.ro::8f799065-d8ce-4084-a2fa-0d95af088ebc" providerId="AD" clId="Web-{107ACDB5-605D-C9CA-5FCA-229E58CFB7EA}" dt="2025-01-10T09:51:34.595" v="553"/>
-          <ac:spMkLst>
-            <pc:docMk/>
-            <pc:sldMk cId="1366487928" sldId="264"/>
-            <ac:spMk id="2" creationId="{330506B6-0C3D-4583-A7E0-C25673947F95}"/>
-          </ac:spMkLst>
-        </pc:spChg>
-        <pc:spChg chg="mod ord">
-          <ac:chgData name="FABIAN MUSAT" userId="S::fabian.musat@s.unibuc.ro::8f799065-d8ce-4084-a2fa-0d95af088ebc" providerId="AD" clId="Web-{107ACDB5-605D-C9CA-5FCA-229E58CFB7EA}" dt="2025-01-10T09:52:39.864" v="567" actId="20577"/>
-          <ac:spMkLst>
-            <pc:docMk/>
-            <pc:sldMk cId="1366487928" sldId="264"/>
-            <ac:spMk id="3" creationId="{AD27A73B-2DBF-08C4-CC40-8DD3001D9AF4}"/>
-          </ac:spMkLst>
-        </pc:spChg>
-        <pc:spChg chg="add del">
-          <ac:chgData name="FABIAN MUSAT" userId="S::fabian.musat@s.unibuc.ro::8f799065-d8ce-4084-a2fa-0d95af088ebc" providerId="AD" clId="Web-{107ACDB5-605D-C9CA-5FCA-229E58CFB7EA}" dt="2025-01-10T09:52:06.393" v="561"/>
-          <ac:spMkLst>
-            <pc:docMk/>
-            <pc:sldMk cId="1366487928" sldId="264"/>
-            <ac:spMk id="9" creationId="{48FE65CB-EFD8-497D-A30A-093E20EACB05}"/>
-          </ac:spMkLst>
-        </pc:spChg>
-        <pc:picChg chg="add mod">
-          <ac:chgData name="FABIAN MUSAT" userId="S::fabian.musat@s.unibuc.ro::8f799065-d8ce-4084-a2fa-0d95af088ebc" providerId="AD" clId="Web-{107ACDB5-605D-C9CA-5FCA-229E58CFB7EA}" dt="2025-01-10T09:52:06.393" v="561"/>
-          <ac:picMkLst>
-            <pc:docMk/>
-            <pc:sldMk cId="1366487928" sldId="264"/>
-            <ac:picMk id="4" creationId="{D5857A94-9404-D168-3EC3-EA3C93B1F084}"/>
-          </ac:picMkLst>
-        </pc:picChg>
-        <pc:picChg chg="add del">
-          <ac:chgData name="FABIAN MUSAT" userId="S::fabian.musat@s.unibuc.ro::8f799065-d8ce-4084-a2fa-0d95af088ebc" providerId="AD" clId="Web-{107ACDB5-605D-C9CA-5FCA-229E58CFB7EA}" dt="2025-01-10T09:52:06.393" v="561"/>
-          <ac:picMkLst>
-            <pc:docMk/>
-            <pc:sldMk cId="1366487928" sldId="264"/>
-            <ac:picMk id="11" creationId="{E3265C2A-0A58-43AD-A406-8F4478E28758}"/>
-          </ac:picMkLst>
-        </pc:picChg>
-      </pc:sldChg>
-      <pc:sldChg chg="modSp new">
-        <pc:chgData name="FABIAN MUSAT" userId="S::fabian.musat@s.unibuc.ro::8f799065-d8ce-4084-a2fa-0d95af088ebc" providerId="AD" clId="Web-{107ACDB5-605D-C9CA-5FCA-229E58CFB7EA}" dt="2025-01-10T09:55:38.401" v="578" actId="20577"/>
-        <pc:sldMkLst>
-          <pc:docMk/>
-          <pc:sldMk cId="4277896767" sldId="265"/>
-        </pc:sldMkLst>
-        <pc:spChg chg="mod">
-          <ac:chgData name="FABIAN MUSAT" userId="S::fabian.musat@s.unibuc.ro::8f799065-d8ce-4084-a2fa-0d95af088ebc" providerId="AD" clId="Web-{107ACDB5-605D-C9CA-5FCA-229E58CFB7EA}" dt="2025-01-10T09:55:38.401" v="578" actId="20577"/>
-          <ac:spMkLst>
-            <pc:docMk/>
-            <pc:sldMk cId="4277896767" sldId="265"/>
-            <ac:spMk id="2" creationId="{A1CEE98C-3F8A-2887-6831-646539FEEDBC}"/>
-          </ac:spMkLst>
-        </pc:spChg>
-      </pc:sldChg>
-      <pc:sldChg chg="modSp new">
-        <pc:chgData name="FABIAN MUSAT" userId="S::fabian.musat@s.unibuc.ro::8f799065-d8ce-4084-a2fa-0d95af088ebc" providerId="AD" clId="Web-{107ACDB5-605D-C9CA-5FCA-229E58CFB7EA}" dt="2025-01-10T09:58:33.829" v="681" actId="20577"/>
-        <pc:sldMkLst>
-          <pc:docMk/>
-          <pc:sldMk cId="3650299780" sldId="266"/>
-        </pc:sldMkLst>
-        <pc:spChg chg="mod">
-          <ac:chgData name="FABIAN MUSAT" userId="S::fabian.musat@s.unibuc.ro::8f799065-d8ce-4084-a2fa-0d95af088ebc" providerId="AD" clId="Web-{107ACDB5-605D-C9CA-5FCA-229E58CFB7EA}" dt="2025-01-10T09:56:22.434" v="581" actId="20577"/>
-          <ac:spMkLst>
-            <pc:docMk/>
-            <pc:sldMk cId="3650299780" sldId="266"/>
-            <ac:spMk id="2" creationId="{8F7D3E5C-24C2-AF08-AF0A-5609B5EB93C2}"/>
-          </ac:spMkLst>
-        </pc:spChg>
-        <pc:spChg chg="mod">
-          <ac:chgData name="FABIAN MUSAT" userId="S::fabian.musat@s.unibuc.ro::8f799065-d8ce-4084-a2fa-0d95af088ebc" providerId="AD" clId="Web-{107ACDB5-605D-C9CA-5FCA-229E58CFB7EA}" dt="2025-01-10T09:58:33.829" v="681" actId="20577"/>
-          <ac:spMkLst>
-            <pc:docMk/>
-            <pc:sldMk cId="3650299780" sldId="266"/>
-            <ac:spMk id="3" creationId="{C3AF2245-7335-260A-AD4C-C5FD7D67D9E3}"/>
-          </ac:spMkLst>
-        </pc:spChg>
-      </pc:sldChg>
-      <pc:sldChg chg="addSp modSp new mod ord setBg">
-        <pc:chgData name="FABIAN MUSAT" userId="S::fabian.musat@s.unibuc.ro::8f799065-d8ce-4084-a2fa-0d95af088ebc" providerId="AD" clId="Web-{107ACDB5-605D-C9CA-5FCA-229E58CFB7EA}" dt="2025-01-10T10:10:44.216" v="1095"/>
-        <pc:sldMkLst>
-          <pc:docMk/>
-          <pc:sldMk cId="78458815" sldId="267"/>
-        </pc:sldMkLst>
-        <pc:picChg chg="add mod">
-          <ac:chgData name="FABIAN MUSAT" userId="S::fabian.musat@s.unibuc.ro::8f799065-d8ce-4084-a2fa-0d95af088ebc" providerId="AD" clId="Web-{107ACDB5-605D-C9CA-5FCA-229E58CFB7EA}" dt="2025-01-10T09:59:10.956" v="684"/>
-          <ac:picMkLst>
-            <pc:docMk/>
-            <pc:sldMk cId="78458815" sldId="267"/>
-            <ac:picMk id="2" creationId="{0A19DAF6-B1F6-C797-1C14-310D9D843EE7}"/>
-          </ac:picMkLst>
-        </pc:picChg>
-      </pc:sldChg>
-      <pc:sldChg chg="addSp modSp new mod setBg">
-        <pc:chgData name="FABIAN MUSAT" userId="S::fabian.musat@s.unibuc.ro::8f799065-d8ce-4084-a2fa-0d95af088ebc" providerId="AD" clId="Web-{107ACDB5-605D-C9CA-5FCA-229E58CFB7EA}" dt="2025-01-10T09:59:38.957" v="687"/>
-        <pc:sldMkLst>
-          <pc:docMk/>
-          <pc:sldMk cId="842138069" sldId="268"/>
-        </pc:sldMkLst>
-        <pc:picChg chg="add mod">
-          <ac:chgData name="FABIAN MUSAT" userId="S::fabian.musat@s.unibuc.ro::8f799065-d8ce-4084-a2fa-0d95af088ebc" providerId="AD" clId="Web-{107ACDB5-605D-C9CA-5FCA-229E58CFB7EA}" dt="2025-01-10T09:59:38.957" v="687"/>
-          <ac:picMkLst>
-            <pc:docMk/>
-            <pc:sldMk cId="842138069" sldId="268"/>
-            <ac:picMk id="2" creationId="{B77EE75E-E642-161A-DA84-96FEC0AE2649}"/>
-          </ac:picMkLst>
-        </pc:picChg>
-      </pc:sldChg>
-      <pc:sldChg chg="modSp new">
-        <pc:chgData name="FABIAN MUSAT" userId="S::fabian.musat@s.unibuc.ro::8f799065-d8ce-4084-a2fa-0d95af088ebc" providerId="AD" clId="Web-{107ACDB5-605D-C9CA-5FCA-229E58CFB7EA}" dt="2025-01-10T10:00:49.132" v="695" actId="20577"/>
-        <pc:sldMkLst>
-          <pc:docMk/>
-          <pc:sldMk cId="600223827" sldId="269"/>
-        </pc:sldMkLst>
-        <pc:spChg chg="mod">
-          <ac:chgData name="FABIAN MUSAT" userId="S::fabian.musat@s.unibuc.ro::8f799065-d8ce-4084-a2fa-0d95af088ebc" providerId="AD" clId="Web-{107ACDB5-605D-C9CA-5FCA-229E58CFB7EA}" dt="2025-01-10T10:00:49.132" v="695" actId="20577"/>
-          <ac:spMkLst>
-            <pc:docMk/>
-            <pc:sldMk cId="600223827" sldId="269"/>
-            <ac:spMk id="2" creationId="{4372F743-66CE-807B-1570-10582933A2DE}"/>
-          </ac:spMkLst>
-        </pc:spChg>
-      </pc:sldChg>
-      <pc:sldChg chg="delSp modSp new">
-        <pc:chgData name="FABIAN MUSAT" userId="S::fabian.musat@s.unibuc.ro::8f799065-d8ce-4084-a2fa-0d95af088ebc" providerId="AD" clId="Web-{107ACDB5-605D-C9CA-5FCA-229E58CFB7EA}" dt="2025-01-10T10:07:35.287" v="1051" actId="1076"/>
-        <pc:sldMkLst>
-          <pc:docMk/>
-          <pc:sldMk cId="2634643202" sldId="270"/>
-        </pc:sldMkLst>
-        <pc:spChg chg="del">
-          <ac:chgData name="FABIAN MUSAT" userId="S::fabian.musat@s.unibuc.ro::8f799065-d8ce-4084-a2fa-0d95af088ebc" providerId="AD" clId="Web-{107ACDB5-605D-C9CA-5FCA-229E58CFB7EA}" dt="2025-01-10T10:04:31.952" v="961"/>
-          <ac:spMkLst>
-            <pc:docMk/>
-            <pc:sldMk cId="2634643202" sldId="270"/>
-            <ac:spMk id="2" creationId="{B43FDBA2-057A-7927-CBD3-32BBB5356DCC}"/>
-          </ac:spMkLst>
-        </pc:spChg>
-        <pc:spChg chg="mod">
-          <ac:chgData name="FABIAN MUSAT" userId="S::fabian.musat@s.unibuc.ro::8f799065-d8ce-4084-a2fa-0d95af088ebc" providerId="AD" clId="Web-{107ACDB5-605D-C9CA-5FCA-229E58CFB7EA}" dt="2025-01-10T10:07:35.287" v="1051" actId="1076"/>
-          <ac:spMkLst>
-            <pc:docMk/>
-            <pc:sldMk cId="2634643202" sldId="270"/>
-            <ac:spMk id="3" creationId="{565E0838-52A9-BA67-A81B-5FB6FB8655ED}"/>
-          </ac:spMkLst>
-        </pc:spChg>
-      </pc:sldChg>
-      <pc:sldChg chg="modSp new">
-        <pc:chgData name="FABIAN MUSAT" userId="S::fabian.musat@s.unibuc.ro::8f799065-d8ce-4084-a2fa-0d95af088ebc" providerId="AD" clId="Web-{107ACDB5-605D-C9CA-5FCA-229E58CFB7EA}" dt="2025-01-10T10:04:50.078" v="969" actId="20577"/>
-        <pc:sldMkLst>
-          <pc:docMk/>
-          <pc:sldMk cId="652729817" sldId="271"/>
-        </pc:sldMkLst>
-        <pc:spChg chg="mod">
-          <ac:chgData name="FABIAN MUSAT" userId="S::fabian.musat@s.unibuc.ro::8f799065-d8ce-4084-a2fa-0d95af088ebc" providerId="AD" clId="Web-{107ACDB5-605D-C9CA-5FCA-229E58CFB7EA}" dt="2025-01-10T10:04:50.078" v="969" actId="20577"/>
-          <ac:spMkLst>
-            <pc:docMk/>
-            <pc:sldMk cId="652729817" sldId="271"/>
-            <ac:spMk id="2" creationId="{B3DDDA9C-5463-C2B9-F9AB-886C908078D6}"/>
-          </ac:spMkLst>
-        </pc:spChg>
-      </pc:sldChg>
-      <pc:sldChg chg="modSp add ord replId">
-        <pc:chgData name="FABIAN MUSAT" userId="S::fabian.musat@s.unibuc.ro::8f799065-d8ce-4084-a2fa-0d95af088ebc" providerId="AD" clId="Web-{107ACDB5-605D-C9CA-5FCA-229E58CFB7EA}" dt="2025-01-10T10:08:09.429" v="1062" actId="1076"/>
-        <pc:sldMkLst>
-          <pc:docMk/>
-          <pc:sldMk cId="688479403" sldId="272"/>
-        </pc:sldMkLst>
-        <pc:spChg chg="mod">
-          <ac:chgData name="FABIAN MUSAT" userId="S::fabian.musat@s.unibuc.ro::8f799065-d8ce-4084-a2fa-0d95af088ebc" providerId="AD" clId="Web-{107ACDB5-605D-C9CA-5FCA-229E58CFB7EA}" dt="2025-01-10T10:08:09.429" v="1062" actId="1076"/>
-          <ac:spMkLst>
-            <pc:docMk/>
-            <pc:sldMk cId="688479403" sldId="272"/>
-            <ac:spMk id="3" creationId="{565E0838-52A9-BA67-A81B-5FB6FB8655ED}"/>
-          </ac:spMkLst>
-        </pc:spChg>
-      </pc:sldChg>
-      <pc:sldChg chg="addSp delSp modSp new">
-        <pc:chgData name="FABIAN MUSAT" userId="S::fabian.musat@s.unibuc.ro::8f799065-d8ce-4084-a2fa-0d95af088ebc" providerId="AD" clId="Web-{107ACDB5-605D-C9CA-5FCA-229E58CFB7EA}" dt="2025-01-10T10:10:41.169" v="1094" actId="20577"/>
-        <pc:sldMkLst>
-          <pc:docMk/>
-          <pc:sldMk cId="170612731" sldId="273"/>
-        </pc:sldMkLst>
-        <pc:spChg chg="add del mod">
-          <ac:chgData name="FABIAN MUSAT" userId="S::fabian.musat@s.unibuc.ro::8f799065-d8ce-4084-a2fa-0d95af088ebc" providerId="AD" clId="Web-{107ACDB5-605D-C9CA-5FCA-229E58CFB7EA}" dt="2025-01-10T10:09:51.229" v="1074" actId="20577"/>
-          <ac:spMkLst>
-            <pc:docMk/>
-            <pc:sldMk cId="170612731" sldId="273"/>
-            <ac:spMk id="2" creationId="{DE3D64F1-F230-14A4-1C5E-7B20A6479273}"/>
-          </ac:spMkLst>
-        </pc:spChg>
-        <pc:spChg chg="mod">
-          <ac:chgData name="FABIAN MUSAT" userId="S::fabian.musat@s.unibuc.ro::8f799065-d8ce-4084-a2fa-0d95af088ebc" providerId="AD" clId="Web-{107ACDB5-605D-C9CA-5FCA-229E58CFB7EA}" dt="2025-01-10T10:10:41.169" v="1094" actId="20577"/>
-          <ac:spMkLst>
-            <pc:docMk/>
-            <pc:sldMk cId="170612731" sldId="273"/>
-            <ac:spMk id="3" creationId="{EA23DE58-0AC3-BA0E-1EFC-38287B98EF60}"/>
-          </ac:spMkLst>
-        </pc:spChg>
-      </pc:sldChg>
-      <pc:sldChg chg="modSp add ord replId">
-        <pc:chgData name="FABIAN MUSAT" userId="S::fabian.musat@s.unibuc.ro::8f799065-d8ce-4084-a2fa-0d95af088ebc" providerId="AD" clId="Web-{107ACDB5-605D-C9CA-5FCA-229E58CFB7EA}" dt="2025-01-10T10:13:15.846" v="1147" actId="20577"/>
-        <pc:sldMkLst>
-          <pc:docMk/>
-          <pc:sldMk cId="3707159679" sldId="274"/>
-        </pc:sldMkLst>
-        <pc:spChg chg="mod">
-          <ac:chgData name="FABIAN MUSAT" userId="S::fabian.musat@s.unibuc.ro::8f799065-d8ce-4084-a2fa-0d95af088ebc" providerId="AD" clId="Web-{107ACDB5-605D-C9CA-5FCA-229E58CFB7EA}" dt="2025-01-10T10:11:06.685" v="1100" actId="20577"/>
-          <ac:spMkLst>
-            <pc:docMk/>
-            <pc:sldMk cId="3707159679" sldId="274"/>
-            <ac:spMk id="2" creationId="{DE3D64F1-F230-14A4-1C5E-7B20A6479273}"/>
-          </ac:spMkLst>
-        </pc:spChg>
-        <pc:spChg chg="mod">
-          <ac:chgData name="FABIAN MUSAT" userId="S::fabian.musat@s.unibuc.ro::8f799065-d8ce-4084-a2fa-0d95af088ebc" providerId="AD" clId="Web-{107ACDB5-605D-C9CA-5FCA-229E58CFB7EA}" dt="2025-01-10T10:13:15.846" v="1147" actId="20577"/>
-          <ac:spMkLst>
-            <pc:docMk/>
-            <pc:sldMk cId="3707159679" sldId="274"/>
-            <ac:spMk id="3" creationId="{EA23DE58-0AC3-BA0E-1EFC-38287B98EF60}"/>
-          </ac:spMkLst>
-        </pc:spChg>
-      </pc:sldChg>
-      <pc:sldChg chg="modSp new">
-        <pc:chgData name="FABIAN MUSAT" userId="S::fabian.musat@s.unibuc.ro::8f799065-d8ce-4084-a2fa-0d95af088ebc" providerId="AD" clId="Web-{107ACDB5-605D-C9CA-5FCA-229E58CFB7EA}" dt="2025-01-10T10:14:01.457" v="1156" actId="20577"/>
-        <pc:sldMkLst>
-          <pc:docMk/>
-          <pc:sldMk cId="3353888783" sldId="275"/>
-        </pc:sldMkLst>
-        <pc:spChg chg="mod">
-          <ac:chgData name="FABIAN MUSAT" userId="S::fabian.musat@s.unibuc.ro::8f799065-d8ce-4084-a2fa-0d95af088ebc" providerId="AD" clId="Web-{107ACDB5-605D-C9CA-5FCA-229E58CFB7EA}" dt="2025-01-10T10:14:01.457" v="1156" actId="20577"/>
-          <ac:spMkLst>
-            <pc:docMk/>
-            <pc:sldMk cId="3353888783" sldId="275"/>
-            <ac:spMk id="2" creationId="{C0CD601D-27DB-A796-7DEA-89460698B5ED}"/>
-          </ac:spMkLst>
-        </pc:spChg>
-      </pc:sldChg>
-      <pc:sldChg chg="modSp new">
-        <pc:chgData name="FABIAN MUSAT" userId="S::fabian.musat@s.unibuc.ro::8f799065-d8ce-4084-a2fa-0d95af088ebc" providerId="AD" clId="Web-{107ACDB5-605D-C9CA-5FCA-229E58CFB7EA}" dt="2025-01-10T10:16:33.526" v="1373" actId="20577"/>
-        <pc:sldMkLst>
-          <pc:docMk/>
-          <pc:sldMk cId="4044845070" sldId="276"/>
-        </pc:sldMkLst>
-        <pc:spChg chg="mod">
-          <ac:chgData name="FABIAN MUSAT" userId="S::fabian.musat@s.unibuc.ro::8f799065-d8ce-4084-a2fa-0d95af088ebc" providerId="AD" clId="Web-{107ACDB5-605D-C9CA-5FCA-229E58CFB7EA}" dt="2025-01-10T10:16:33.526" v="1373" actId="20577"/>
-          <ac:spMkLst>
-            <pc:docMk/>
-            <pc:sldMk cId="4044845070" sldId="276"/>
-            <ac:spMk id="3" creationId="{6CB87367-6E18-E36C-22A6-5B4CF031B6B7}"/>
-          </ac:spMkLst>
-        </pc:spChg>
-      </pc:sldChg>
-      <pc:sldChg chg="modSp new">
-        <pc:chgData name="FABIAN MUSAT" userId="S::fabian.musat@s.unibuc.ro::8f799065-d8ce-4084-a2fa-0d95af088ebc" providerId="AD" clId="Web-{107ACDB5-605D-C9CA-5FCA-229E58CFB7EA}" dt="2025-01-10T10:44:07.661" v="1382" actId="20577"/>
-        <pc:sldMkLst>
-          <pc:docMk/>
-          <pc:sldMk cId="1888126562" sldId="277"/>
-        </pc:sldMkLst>
-        <pc:spChg chg="mod">
-          <ac:chgData name="FABIAN MUSAT" userId="S::fabian.musat@s.unibuc.ro::8f799065-d8ce-4084-a2fa-0d95af088ebc" providerId="AD" clId="Web-{107ACDB5-605D-C9CA-5FCA-229E58CFB7EA}" dt="2025-01-10T10:44:07.661" v="1382" actId="20577"/>
-          <ac:spMkLst>
-            <pc:docMk/>
-            <pc:sldMk cId="1888126562" sldId="277"/>
-            <ac:spMk id="2" creationId="{2A7A784F-ED77-8B15-B516-5BA03D696C1F}"/>
-          </ac:spMkLst>
-        </pc:spChg>
-      </pc:sldChg>
-      <pc:sldChg chg="addSp modSp new mod setBg">
-        <pc:chgData name="FABIAN MUSAT" userId="S::fabian.musat@s.unibuc.ro::8f799065-d8ce-4084-a2fa-0d95af088ebc" providerId="AD" clId="Web-{107ACDB5-605D-C9CA-5FCA-229E58CFB7EA}" dt="2025-01-10T10:44:52.333" v="1387"/>
-        <pc:sldMkLst>
-          <pc:docMk/>
-          <pc:sldMk cId="2112987926" sldId="278"/>
-        </pc:sldMkLst>
-        <pc:spChg chg="add">
-          <ac:chgData name="FABIAN MUSAT" userId="S::fabian.musat@s.unibuc.ro::8f799065-d8ce-4084-a2fa-0d95af088ebc" providerId="AD" clId="Web-{107ACDB5-605D-C9CA-5FCA-229E58CFB7EA}" dt="2025-01-10T10:44:52.333" v="1387"/>
-          <ac:spMkLst>
-            <pc:docMk/>
-            <pc:sldMk cId="2112987926" sldId="278"/>
-            <ac:spMk id="7" creationId="{57E607C4-A0A1-44FA-981D-EA3B81396361}"/>
-          </ac:spMkLst>
-        </pc:spChg>
-        <pc:picChg chg="add mod">
-          <ac:chgData name="FABIAN MUSAT" userId="S::fabian.musat@s.unibuc.ro::8f799065-d8ce-4084-a2fa-0d95af088ebc" providerId="AD" clId="Web-{107ACDB5-605D-C9CA-5FCA-229E58CFB7EA}" dt="2025-01-10T10:44:52.333" v="1387"/>
-          <ac:picMkLst>
-            <pc:docMk/>
-            <pc:sldMk cId="2112987926" sldId="278"/>
-            <ac:picMk id="2" creationId="{9838F594-2707-F3EA-6693-0DE2064A81F3}"/>
-          </ac:picMkLst>
-        </pc:picChg>
-        <pc:picChg chg="add">
-          <ac:chgData name="FABIAN MUSAT" userId="S::fabian.musat@s.unibuc.ro::8f799065-d8ce-4084-a2fa-0d95af088ebc" providerId="AD" clId="Web-{107ACDB5-605D-C9CA-5FCA-229E58CFB7EA}" dt="2025-01-10T10:44:52.333" v="1387"/>
-          <ac:picMkLst>
-            <pc:docMk/>
-            <pc:sldMk cId="2112987926" sldId="278"/>
-            <ac:picMk id="9" creationId="{08D97526-B9D9-4257-B6A9-9D7988974929}"/>
-          </ac:picMkLst>
-        </pc:picChg>
-      </pc:sldChg>
-      <pc:sldChg chg="addSp modSp new">
-        <pc:chgData name="FABIAN MUSAT" userId="S::fabian.musat@s.unibuc.ro::8f799065-d8ce-4084-a2fa-0d95af088ebc" providerId="AD" clId="Web-{107ACDB5-605D-C9CA-5FCA-229E58CFB7EA}" dt="2025-01-10T10:50:11.517" v="1399" actId="1076"/>
-        <pc:sldMkLst>
-          <pc:docMk/>
-          <pc:sldMk cId="3964665569" sldId="279"/>
-        </pc:sldMkLst>
-        <pc:picChg chg="add mod">
-          <ac:chgData name="FABIAN MUSAT" userId="S::fabian.musat@s.unibuc.ro::8f799065-d8ce-4084-a2fa-0d95af088ebc" providerId="AD" clId="Web-{107ACDB5-605D-C9CA-5FCA-229E58CFB7EA}" dt="2025-01-10T10:50:11.517" v="1399" actId="1076"/>
-          <ac:picMkLst>
-            <pc:docMk/>
-            <pc:sldMk cId="3964665569" sldId="279"/>
-            <ac:picMk id="2" creationId="{71F0439E-1231-ABAD-C33B-50ED50FC8409}"/>
-          </ac:picMkLst>
-        </pc:picChg>
-        <pc:picChg chg="add mod">
-          <ac:chgData name="FABIAN MUSAT" userId="S::fabian.musat@s.unibuc.ro::8f799065-d8ce-4084-a2fa-0d95af088ebc" providerId="AD" clId="Web-{107ACDB5-605D-C9CA-5FCA-229E58CFB7EA}" dt="2025-01-10T10:50:09.064" v="1398" actId="1076"/>
-          <ac:picMkLst>
-            <pc:docMk/>
-            <pc:sldMk cId="3964665569" sldId="279"/>
-            <ac:picMk id="3" creationId="{238BF161-EB4A-623F-9287-545BE35B9CEC}"/>
-          </ac:picMkLst>
-        </pc:picChg>
-      </pc:sldChg>
-      <pc:sldChg chg="modSp new">
-        <pc:chgData name="FABIAN MUSAT" userId="S::fabian.musat@s.unibuc.ro::8f799065-d8ce-4084-a2fa-0d95af088ebc" providerId="AD" clId="Web-{107ACDB5-605D-C9CA-5FCA-229E58CFB7EA}" dt="2025-01-10T10:50:51.550" v="1413" actId="20577"/>
-        <pc:sldMkLst>
-          <pc:docMk/>
-          <pc:sldMk cId="1030339103" sldId="280"/>
-        </pc:sldMkLst>
-        <pc:spChg chg="mod">
-          <ac:chgData name="FABIAN MUSAT" userId="S::fabian.musat@s.unibuc.ro::8f799065-d8ce-4084-a2fa-0d95af088ebc" providerId="AD" clId="Web-{107ACDB5-605D-C9CA-5FCA-229E58CFB7EA}" dt="2025-01-10T10:50:51.550" v="1413" actId="20577"/>
-          <ac:spMkLst>
-            <pc:docMk/>
-            <pc:sldMk cId="1030339103" sldId="280"/>
-            <ac:spMk id="2" creationId="{857D1FF0-2AFA-9BC9-D587-56B47919FB88}"/>
-          </ac:spMkLst>
-        </pc:spChg>
-      </pc:sldChg>
-      <pc:sldChg chg="modSp new">
-        <pc:chgData name="FABIAN MUSAT" userId="S::fabian.musat@s.unibuc.ro::8f799065-d8ce-4084-a2fa-0d95af088ebc" providerId="AD" clId="Web-{107ACDB5-605D-C9CA-5FCA-229E58CFB7EA}" dt="2025-01-10T10:53:41.135" v="1681" actId="20577"/>
-        <pc:sldMkLst>
-          <pc:docMk/>
-          <pc:sldMk cId="2315327711" sldId="281"/>
-        </pc:sldMkLst>
-        <pc:spChg chg="mod">
-          <ac:chgData name="FABIAN MUSAT" userId="S::fabian.musat@s.unibuc.ro::8f799065-d8ce-4084-a2fa-0d95af088ebc" providerId="AD" clId="Web-{107ACDB5-605D-C9CA-5FCA-229E58CFB7EA}" dt="2025-01-10T10:53:41.135" v="1681" actId="20577"/>
-          <ac:spMkLst>
-            <pc:docMk/>
-            <pc:sldMk cId="2315327711" sldId="281"/>
-            <ac:spMk id="3" creationId="{C59D0C24-51A4-AC69-C267-6F09DB53C47B}"/>
-          </ac:spMkLst>
-        </pc:spChg>
-      </pc:sldChg>
-    </pc:docChg>
-  </pc:docChgLst>
-</pc:chgInfo>
 </file>
 
 <file path=ppt/handoutMasters/handoutMaster1.xml><?xml version="1.0" encoding="utf-8"?>
@@ -866,7 +249,7 @@
           <a:p>
             <a:fld id="{B8E1B651-72AF-4AAA-BA75-AFCB38FADBF7}" type="datetime1">
               <a:rPr lang="en-GB" smtClean="0"/>
-              <a:t>10/01/2025</a:t>
+              <a:t>22/01/2025</a:t>
             </a:fld>
             <a:endParaRPr lang="en-GB" dirty="0"/>
           </a:p>
@@ -1045,7 +428,7 @@
             <a:fld id="{CF9FC848-4A79-4DBF-B181-FF1302D49860}" type="datetime1">
               <a:rPr lang="en-GB" smtClean="0"/>
               <a:pPr/>
-              <a:t>10/01/2025</a:t>
+              <a:t>22/01/2025</a:t>
             </a:fld>
             <a:endParaRPr lang="en-GB" dirty="0"/>
           </a:p>
@@ -1569,7 +952,7 @@
             <a:pPr rtl="0"/>
             <a:fld id="{BCBD3D87-62FA-444A-A3D6-247B02B8C677}" type="datetime1">
               <a:rPr lang="en-GB" noProof="0" smtClean="0"/>
-              <a:t>10/01/2025</a:t>
+              <a:t>22/01/2025</a:t>
             </a:fld>
             <a:endParaRPr lang="en-GB" noProof="0"/>
           </a:p>
@@ -1879,7 +1262,7 @@
             <a:pPr rtl="0"/>
             <a:fld id="{16CB425C-685B-4701-86E8-86BD48DFA679}" type="datetime1">
               <a:rPr lang="en-GB" noProof="0" smtClean="0"/>
-              <a:t>10/01/2025</a:t>
+              <a:t>22/01/2025</a:t>
             </a:fld>
             <a:endParaRPr lang="en-GB" noProof="0"/>
           </a:p>
@@ -2099,7 +1482,7 @@
             <a:pPr rtl="0"/>
             <a:fld id="{A22849ED-B8F6-43F7-9777-854C9EBB7BC8}" type="datetime1">
               <a:rPr lang="en-GB" noProof="0" smtClean="0"/>
-              <a:t>10/01/2025</a:t>
+              <a:t>22/01/2025</a:t>
             </a:fld>
             <a:endParaRPr lang="en-GB" noProof="0"/>
           </a:p>
@@ -2388,7 +1771,7 @@
             <a:pPr rtl="0"/>
             <a:fld id="{3007822F-2E8D-4838-90BF-B96EAF5F10FD}" type="datetime1">
               <a:rPr lang="en-GB" noProof="0" smtClean="0"/>
-              <a:t>10/01/2025</a:t>
+              <a:t>22/01/2025</a:t>
             </a:fld>
             <a:endParaRPr lang="en-GB" noProof="0"/>
           </a:p>
@@ -2840,7 +2223,7 @@
             <a:pPr rtl="0"/>
             <a:fld id="{1F5C8C03-99FF-4F3C-BDE3-B263BB89C0AA}" type="datetime1">
               <a:rPr lang="en-GB" noProof="0" smtClean="0"/>
-              <a:t>10/01/2025</a:t>
+              <a:t>22/01/2025</a:t>
             </a:fld>
             <a:endParaRPr lang="en-GB" noProof="0"/>
           </a:p>
@@ -3414,7 +2797,7 @@
             <a:pPr rtl="0"/>
             <a:fld id="{DAB859DD-D771-403F-A09C-AB363FC36106}" type="datetime1">
               <a:rPr lang="en-GB" noProof="0" smtClean="0"/>
-              <a:t>10/01/2025</a:t>
+              <a:t>22/01/2025</a:t>
             </a:fld>
             <a:endParaRPr lang="en-GB" noProof="0"/>
           </a:p>
@@ -4264,7 +3647,7 @@
             <a:pPr rtl="0"/>
             <a:fld id="{F7F80836-B4DA-4D75-9752-C45D9B17717D}" type="datetime1">
               <a:rPr lang="en-GB" noProof="0" smtClean="0"/>
-              <a:t>10/01/2025</a:t>
+              <a:t>22/01/2025</a:t>
             </a:fld>
             <a:endParaRPr lang="en-GB" noProof="0"/>
           </a:p>
@@ -4466,7 +3849,7 @@
             <a:pPr rtl="0"/>
             <a:fld id="{E1DF0510-D603-447E-9F49-63C818998997}" type="datetime1">
               <a:rPr lang="en-GB" noProof="0" smtClean="0"/>
-              <a:t>10/01/2025</a:t>
+              <a:t>22/01/2025</a:t>
             </a:fld>
             <a:endParaRPr lang="en-GB" noProof="0"/>
           </a:p>
@@ -4677,7 +4060,7 @@
             <a:pPr rtl="0"/>
             <a:fld id="{6A50DED6-9997-41D1-ACFB-4C4BA654B135}" type="datetime1">
               <a:rPr lang="en-GB" noProof="0" smtClean="0"/>
-              <a:t>10/01/2025</a:t>
+              <a:t>22/01/2025</a:t>
             </a:fld>
             <a:endParaRPr lang="en-GB" noProof="0"/>
           </a:p>
@@ -4879,7 +4262,7 @@
             <a:pPr rtl="0"/>
             <a:fld id="{51732B7F-3B22-4487-80F6-AECB7B54FE8A}" type="datetime1">
               <a:rPr lang="en-GB" noProof="0" smtClean="0"/>
-              <a:t>10/01/2025</a:t>
+              <a:t>22/01/2025</a:t>
             </a:fld>
             <a:endParaRPr lang="en-GB" noProof="0"/>
           </a:p>
@@ -5157,7 +4540,7 @@
             <a:pPr rtl="0"/>
             <a:fld id="{A39AAC8B-16B9-4188-95D2-E07EC8530E90}" type="datetime1">
               <a:rPr lang="en-GB" noProof="0" smtClean="0"/>
-              <a:t>10/01/2025</a:t>
+              <a:t>22/01/2025</a:t>
             </a:fld>
             <a:endParaRPr lang="en-GB" noProof="0"/>
           </a:p>
@@ -5420,7 +4803,7 @@
             <a:pPr rtl="0"/>
             <a:fld id="{56AEE64A-5FEB-4DC7-93B7-D26AE111BF55}" type="datetime1">
               <a:rPr lang="en-GB" noProof="0" smtClean="0"/>
-              <a:t>10/01/2025</a:t>
+              <a:t>22/01/2025</a:t>
             </a:fld>
             <a:endParaRPr lang="en-GB" noProof="0"/>
           </a:p>
@@ -5831,7 +5214,7 @@
             <a:pPr rtl="0"/>
             <a:fld id="{D6B9CB90-2276-40D6-863B-14B360D75EE7}" type="datetime1">
               <a:rPr lang="en-GB" noProof="0" smtClean="0"/>
-              <a:t>10/01/2025</a:t>
+              <a:t>22/01/2025</a:t>
             </a:fld>
             <a:endParaRPr lang="en-GB" noProof="0"/>
           </a:p>
@@ -5977,7 +5360,7 @@
             <a:pPr rtl="0"/>
             <a:fld id="{C5225FFC-AB72-4EE6-9F3F-19ACD51584DB}" type="datetime1">
               <a:rPr lang="en-GB" noProof="0" smtClean="0"/>
-              <a:t>10/01/2025</a:t>
+              <a:t>22/01/2025</a:t>
             </a:fld>
             <a:endParaRPr lang="en-GB" noProof="0"/>
           </a:p>
@@ -6100,7 +5483,7 @@
             <a:pPr rtl="0"/>
             <a:fld id="{EADF3062-ABE4-4CDC-BFE4-22C25FBF012E}" type="datetime1">
               <a:rPr lang="en-GB" noProof="0" smtClean="0"/>
-              <a:t>10/01/2025</a:t>
+              <a:t>22/01/2025</a:t>
             </a:fld>
             <a:endParaRPr lang="en-GB" noProof="0"/>
           </a:p>
@@ -6376,7 +5759,7 @@
             <a:pPr rtl="0"/>
             <a:fld id="{65D12F01-C693-4D10-88F4-8D2065D68F03}" type="datetime1">
               <a:rPr lang="en-GB" noProof="0" smtClean="0"/>
-              <a:t>10/01/2025</a:t>
+              <a:t>22/01/2025</a:t>
             </a:fld>
             <a:endParaRPr lang="en-GB" noProof="0"/>
           </a:p>
@@ -6686,7 +6069,7 @@
             <a:pPr rtl="0"/>
             <a:fld id="{5156F47F-D650-488F-8F96-B63E7D43BE94}" type="datetime1">
               <a:rPr lang="en-GB" noProof="0" smtClean="0"/>
-              <a:t>10/01/2025</a:t>
+              <a:t>22/01/2025</a:t>
             </a:fld>
             <a:endParaRPr lang="en-GB" noProof="0"/>
           </a:p>
@@ -6936,7 +6319,7 @@
             <a:pPr rtl="0"/>
             <a:fld id="{FE74A463-A24D-476C-9688-AF0DFFF26B89}" type="datetime1">
               <a:rPr lang="en-GB" noProof="0" smtClean="0"/>
-              <a:t>10/01/2025</a:t>
+              <a:t>22/01/2025</a:t>
             </a:fld>
             <a:endParaRPr lang="en-GB" noProof="0" dirty="0"/>
           </a:p>
@@ -12906,6 +12289,230 @@
     <p:extLst>
       <p:ext uri="{BB962C8B-B14F-4D97-AF65-F5344CB8AC3E}">
         <p14:creationId xmlns:p14="http://schemas.microsoft.com/office/powerpoint/2010/main" val="2315327711"/>
+      </p:ext>
+    </p:extLst>
+  </p:cSld>
+  <p:clrMapOvr>
+    <a:masterClrMapping/>
+  </p:clrMapOvr>
+</p:sld>
+</file>
+
+<file path=ppt/slides/slide26.xml><?xml version="1.0" encoding="utf-8"?>
+<p:sld xmlns:a="http://schemas.openxmlformats.org/drawingml/2006/main" xmlns:r="http://schemas.openxmlformats.org/officeDocument/2006/relationships" xmlns:p="http://schemas.openxmlformats.org/presentationml/2006/main">
+  <p:cSld>
+    <p:spTree>
+      <p:nvGrpSpPr>
+        <p:cNvPr id="1" name=""/>
+        <p:cNvGrpSpPr/>
+        <p:nvPr/>
+      </p:nvGrpSpPr>
+      <p:grpSpPr>
+        <a:xfrm>
+          <a:off x="0" y="0"/>
+          <a:ext cx="0" cy="0"/>
+          <a:chOff x="0" y="0"/>
+          <a:chExt cx="0" cy="0"/>
+        </a:xfrm>
+      </p:grpSpPr>
+      <p:sp>
+        <p:nvSpPr>
+          <p:cNvPr id="2" name="Title 1">
+            <a:extLst>
+              <a:ext uri="{FF2B5EF4-FFF2-40B4-BE49-F238E27FC236}">
+                <a16:creationId xmlns:a16="http://schemas.microsoft.com/office/drawing/2014/main" id="{857D1FF0-2AFA-9BC9-D587-56B47919FB88}"/>
+              </a:ext>
+            </a:extLst>
+          </p:cNvPr>
+          <p:cNvSpPr>
+            <a:spLocks noGrp="1"/>
+          </p:cNvSpPr>
+          <p:nvPr>
+            <p:ph type="title"/>
+          </p:nvPr>
+        </p:nvSpPr>
+        <p:spPr/>
+        <p:txBody>
+          <a:bodyPr/>
+          <a:lstStyle/>
+          <a:p>
+            <a:r>
+              <a:rPr lang="en-GB" sz="4800" b="1" i="1" dirty="0">
+                <a:solidFill>
+                  <a:schemeClr val="tx1">
+                    <a:lumMod val="76000"/>
+                    <a:lumOff val="24000"/>
+                  </a:schemeClr>
+                </a:solidFill>
+              </a:rPr>
+              <a:t>5. </a:t>
+            </a:r>
+            <a:r>
+              <a:rPr lang="en-GB" sz="4800" b="1" i="1" dirty="0" err="1">
+                <a:solidFill>
+                  <a:schemeClr val="tx1">
+                    <a:lumMod val="76000"/>
+                    <a:lumOff val="24000"/>
+                  </a:schemeClr>
+                </a:solidFill>
+              </a:rPr>
+              <a:t>referințe</a:t>
+            </a:r>
+            <a:endParaRPr lang="en-GB" sz="4800" b="1" i="1" dirty="0">
+              <a:solidFill>
+                <a:schemeClr val="tx1">
+                  <a:lumMod val="76000"/>
+                  <a:lumOff val="24000"/>
+                </a:schemeClr>
+              </a:solidFill>
+            </a:endParaRPr>
+          </a:p>
+        </p:txBody>
+      </p:sp>
+      <p:sp>
+        <p:nvSpPr>
+          <p:cNvPr id="3" name="Text Placeholder 2">
+            <a:extLst>
+              <a:ext uri="{FF2B5EF4-FFF2-40B4-BE49-F238E27FC236}">
+                <a16:creationId xmlns:a16="http://schemas.microsoft.com/office/drawing/2014/main" id="{516EE4C2-DA3E-5CF1-3EF5-4F2352F66EB4}"/>
+              </a:ext>
+            </a:extLst>
+          </p:cNvPr>
+          <p:cNvSpPr>
+            <a:spLocks noGrp="1"/>
+          </p:cNvSpPr>
+          <p:nvPr>
+            <p:ph type="body" idx="1"/>
+          </p:nvPr>
+        </p:nvSpPr>
+        <p:spPr/>
+        <p:txBody>
+          <a:bodyPr/>
+          <a:lstStyle/>
+          <a:p>
+            <a:endParaRPr lang="en-GB"/>
+          </a:p>
+        </p:txBody>
+      </p:sp>
+    </p:spTree>
+    <p:extLst>
+      <p:ext uri="{BB962C8B-B14F-4D97-AF65-F5344CB8AC3E}">
+        <p14:creationId xmlns:p14="http://schemas.microsoft.com/office/powerpoint/2010/main" val="4253392483"/>
+      </p:ext>
+    </p:extLst>
+  </p:cSld>
+  <p:clrMapOvr>
+    <a:masterClrMapping/>
+  </p:clrMapOvr>
+</p:sld>
+</file>
+
+<file path=ppt/slides/slide27.xml><?xml version="1.0" encoding="utf-8"?>
+<p:sld xmlns:a="http://schemas.openxmlformats.org/drawingml/2006/main" xmlns:r="http://schemas.openxmlformats.org/officeDocument/2006/relationships" xmlns:p="http://schemas.openxmlformats.org/presentationml/2006/main">
+  <p:cSld>
+    <p:spTree>
+      <p:nvGrpSpPr>
+        <p:cNvPr id="1" name=""/>
+        <p:cNvGrpSpPr/>
+        <p:nvPr/>
+      </p:nvGrpSpPr>
+      <p:grpSpPr>
+        <a:xfrm>
+          <a:off x="0" y="0"/>
+          <a:ext cx="0" cy="0"/>
+          <a:chOff x="0" y="0"/>
+          <a:chExt cx="0" cy="0"/>
+        </a:xfrm>
+      </p:grpSpPr>
+      <p:sp>
+        <p:nvSpPr>
+          <p:cNvPr id="2" name="Title 1">
+            <a:extLst>
+              <a:ext uri="{FF2B5EF4-FFF2-40B4-BE49-F238E27FC236}">
+                <a16:creationId xmlns:a16="http://schemas.microsoft.com/office/drawing/2014/main" id="{4529B50C-9AFE-A4E9-F445-9E462000F186}"/>
+              </a:ext>
+            </a:extLst>
+          </p:cNvPr>
+          <p:cNvSpPr>
+            <a:spLocks noGrp="1"/>
+          </p:cNvSpPr>
+          <p:nvPr>
+            <p:ph type="title"/>
+          </p:nvPr>
+        </p:nvSpPr>
+        <p:spPr/>
+        <p:txBody>
+          <a:bodyPr/>
+          <a:lstStyle/>
+          <a:p>
+            <a:endParaRPr lang="en-GB"/>
+          </a:p>
+        </p:txBody>
+      </p:sp>
+      <p:sp>
+        <p:nvSpPr>
+          <p:cNvPr id="3" name="Content Placeholder 2">
+            <a:extLst>
+              <a:ext uri="{FF2B5EF4-FFF2-40B4-BE49-F238E27FC236}">
+                <a16:creationId xmlns:a16="http://schemas.microsoft.com/office/drawing/2014/main" id="{C59D0C24-51A4-AC69-C267-6F09DB53C47B}"/>
+              </a:ext>
+            </a:extLst>
+          </p:cNvPr>
+          <p:cNvSpPr>
+            <a:spLocks noGrp="1"/>
+          </p:cNvSpPr>
+          <p:nvPr>
+            <p:ph sz="quarter" idx="13"/>
+          </p:nvPr>
+        </p:nvSpPr>
+        <p:spPr/>
+        <p:txBody>
+          <a:bodyPr vert="horz" lIns="91440" tIns="45720" rIns="91440" bIns="45720" rtlCol="0" anchor="t">
+            <a:normAutofit/>
+          </a:bodyPr>
+          <a:lstStyle/>
+          <a:p>
+            <a:r>
+              <a:rPr lang="en-GB" dirty="0">
+                <a:hlinkClick r:id="rId2"/>
+              </a:rPr>
+              <a:t>LZW Flowcharts</a:t>
+            </a:r>
+            <a:endParaRPr lang="en-GB" dirty="0"/>
+          </a:p>
+          <a:p>
+            <a:pPr>
+              <a:buClr>
+                <a:srgbClr val="000000"/>
+              </a:buClr>
+            </a:pPr>
+            <a:r>
+              <a:rPr lang="en-GB" dirty="0">
+                <a:hlinkClick r:id="rId3"/>
+              </a:rPr>
+              <a:t>Compresia datelor</a:t>
+            </a:r>
+          </a:p>
+          <a:p>
+            <a:pPr>
+              <a:buClr>
+                <a:srgbClr val="000000"/>
+              </a:buClr>
+            </a:pPr>
+            <a:r>
+              <a:rPr lang="en-GB" dirty="0">
+                <a:hlinkClick r:id="rId4"/>
+              </a:rPr>
+              <a:t>Comparații LZW vs Zip</a:t>
+            </a:r>
+            <a:endParaRPr lang="en-GB" dirty="0"/>
+          </a:p>
+        </p:txBody>
+      </p:sp>
+    </p:spTree>
+    <p:extLst>
+      <p:ext uri="{BB962C8B-B14F-4D97-AF65-F5344CB8AC3E}">
+        <p14:creationId xmlns:p14="http://schemas.microsoft.com/office/powerpoint/2010/main" val="2262342391"/>
       </p:ext>
     </p:extLst>
   </p:cSld>
